--- a/Image_Insert_In_PowerPoint/PPT_Folder/blankPPT.pptx
+++ b/Image_Insert_In_PowerPoint/PPT_Folder/blankPPT.pptx
@@ -261,7 +261,7 @@
           <a:p>
             <a:fld id="{A0C56383-4D39-4EB3-819C-EA5D3B052261}" type="datetimeFigureOut">
               <a:rPr lang="en-IN" smtClean="0"/>
-              <a:t>22-04-2024</a:t>
+              <a:t>24-04-2024</a:t>
             </a:fld>
             <a:endParaRPr lang="en-IN"/>
           </a:p>
@@ -461,7 +461,7 @@
           <a:p>
             <a:fld id="{A0C56383-4D39-4EB3-819C-EA5D3B052261}" type="datetimeFigureOut">
               <a:rPr lang="en-IN" smtClean="0"/>
-              <a:t>22-04-2024</a:t>
+              <a:t>24-04-2024</a:t>
             </a:fld>
             <a:endParaRPr lang="en-IN"/>
           </a:p>
@@ -671,7 +671,7 @@
           <a:p>
             <a:fld id="{A0C56383-4D39-4EB3-819C-EA5D3B052261}" type="datetimeFigureOut">
               <a:rPr lang="en-IN" smtClean="0"/>
-              <a:t>22-04-2024</a:t>
+              <a:t>24-04-2024</a:t>
             </a:fld>
             <a:endParaRPr lang="en-IN"/>
           </a:p>
@@ -871,7 +871,7 @@
           <a:p>
             <a:fld id="{A0C56383-4D39-4EB3-819C-EA5D3B052261}" type="datetimeFigureOut">
               <a:rPr lang="en-IN" smtClean="0"/>
-              <a:t>22-04-2024</a:t>
+              <a:t>24-04-2024</a:t>
             </a:fld>
             <a:endParaRPr lang="en-IN"/>
           </a:p>
@@ -1147,7 +1147,7 @@
           <a:p>
             <a:fld id="{A0C56383-4D39-4EB3-819C-EA5D3B052261}" type="datetimeFigureOut">
               <a:rPr lang="en-IN" smtClean="0"/>
-              <a:t>22-04-2024</a:t>
+              <a:t>24-04-2024</a:t>
             </a:fld>
             <a:endParaRPr lang="en-IN"/>
           </a:p>
@@ -1415,7 +1415,7 @@
           <a:p>
             <a:fld id="{A0C56383-4D39-4EB3-819C-EA5D3B052261}" type="datetimeFigureOut">
               <a:rPr lang="en-IN" smtClean="0"/>
-              <a:t>22-04-2024</a:t>
+              <a:t>24-04-2024</a:t>
             </a:fld>
             <a:endParaRPr lang="en-IN"/>
           </a:p>
@@ -1830,7 +1830,7 @@
           <a:p>
             <a:fld id="{A0C56383-4D39-4EB3-819C-EA5D3B052261}" type="datetimeFigureOut">
               <a:rPr lang="en-IN" smtClean="0"/>
-              <a:t>22-04-2024</a:t>
+              <a:t>24-04-2024</a:t>
             </a:fld>
             <a:endParaRPr lang="en-IN"/>
           </a:p>
@@ -1972,7 +1972,7 @@
           <a:p>
             <a:fld id="{A0C56383-4D39-4EB3-819C-EA5D3B052261}" type="datetimeFigureOut">
               <a:rPr lang="en-IN" smtClean="0"/>
-              <a:t>22-04-2024</a:t>
+              <a:t>24-04-2024</a:t>
             </a:fld>
             <a:endParaRPr lang="en-IN"/>
           </a:p>
@@ -2085,7 +2085,7 @@
           <a:p>
             <a:fld id="{A0C56383-4D39-4EB3-819C-EA5D3B052261}" type="datetimeFigureOut">
               <a:rPr lang="en-IN" smtClean="0"/>
-              <a:t>22-04-2024</a:t>
+              <a:t>24-04-2024</a:t>
             </a:fld>
             <a:endParaRPr lang="en-IN"/>
           </a:p>
@@ -2398,7 +2398,7 @@
           <a:p>
             <a:fld id="{A0C56383-4D39-4EB3-819C-EA5D3B052261}" type="datetimeFigureOut">
               <a:rPr lang="en-IN" smtClean="0"/>
-              <a:t>22-04-2024</a:t>
+              <a:t>24-04-2024</a:t>
             </a:fld>
             <a:endParaRPr lang="en-IN"/>
           </a:p>
@@ -2687,7 +2687,7 @@
           <a:p>
             <a:fld id="{A0C56383-4D39-4EB3-819C-EA5D3B052261}" type="datetimeFigureOut">
               <a:rPr lang="en-IN" smtClean="0"/>
-              <a:t>22-04-2024</a:t>
+              <a:t>24-04-2024</a:t>
             </a:fld>
             <a:endParaRPr lang="en-IN"/>
           </a:p>
@@ -2930,7 +2930,7 @@
           <a:p>
             <a:fld id="{A0C56383-4D39-4EB3-819C-EA5D3B052261}" type="datetimeFigureOut">
               <a:rPr lang="en-IN" smtClean="0"/>
-              <a:t>22-04-2024</a:t>
+              <a:t>24-04-2024</a:t>
             </a:fld>
             <a:endParaRPr lang="en-IN"/>
           </a:p>

--- a/Image_Insert_In_PowerPoint/PPT_Folder/blankPPT.pptx
+++ b/Image_Insert_In_PowerPoint/PPT_Folder/blankPPT.pptx
@@ -3331,7 +3331,7 @@
 </file>
 
 <file path=ppt/slides/slide1.xml><?xml version="1.0" encoding="utf-8"?>
-<p:sld xmlns:a="http://schemas.openxmlformats.org/drawingml/2006/main" xmlns:r="http://schemas.openxmlformats.org/officeDocument/2006/relationships" xmlns:p="http://schemas.openxmlformats.org/presentationml/2006/main">
+<p:sld xmlns:a16="http://schemas.microsoft.com/office/drawing/2014/main" xmlns:a14="http://schemas.microsoft.com/office/drawing/2010/main" xmlns:p14="http://schemas.microsoft.com/office/powerpoint/2010/main" xmlns:a="http://schemas.openxmlformats.org/drawingml/2006/main" xmlns:r="http://schemas.openxmlformats.org/officeDocument/2006/relationships" xmlns:p="http://schemas.openxmlformats.org/presentationml/2006/main">
   <p:cSld>
     <p:spTree>
       <p:nvGrpSpPr>
@@ -3402,6 +3402,34 @@
           </a:p>
         </p:txBody>
       </p:sp>
+      <p:pic>
+        <p:nvPicPr>
+          <p:cNvPr id="3" name="My Shape"/>
+          <p:cNvPicPr>
+            <a:picLocks noChangeAspect="1"/>
+          </p:cNvPicPr>
+          <p:nvPr/>
+        </p:nvPicPr>
+        <p:blipFill>
+          <a:blip r:embed="Rd15f1df1a4424944">
+            <a:extLst>
+              <a:ext uri="{28A0092B-C50C-407E-A947-70E740481C1C}">
+                <a14:useLocalDpi xmlns:a14="http://schemas.microsoft.com/office/drawing/2010/main" val="0"/>
+              </a:ext>
+            </a:extLst>
+          </a:blip>
+          <a:stretch>
+            <a:fillRect/>
+          </a:stretch>
+        </p:blipFill>
+        <p:spPr>
+          <a:xfrm>
+            <a:off x="100000" y="100000"/>
+            <a:ext cx="3000000" cy="3000000"/>
+          </a:xfrm>
+          <a:prstGeom prst="rect"/>
+        </p:spPr>
+      </p:pic>
     </p:spTree>
     <p:extLst>
       <p:ext uri="{BB962C8B-B14F-4D97-AF65-F5344CB8AC3E}">
